--- a/Auditoria e Qualidade de Sistemas/Aula13AuditoriadeSistemasTecnicasdeAuditoria.pptx
+++ b/Auditoria e Qualidade de Sistemas/Aula13AuditoriadeSistemasTecnicasdeAuditoria.pptx
@@ -131,6 +131,36 @@
       </a:defRPr>
     </a:lvl9pPr>
   </p:defaultTextStyle>
+  <p:extLst>
+    <p:ext uri="{EFAFB233-063F-42B5-8137-9DF3F51BA10A}">
+      <p15:sldGuideLst xmlns:p15="http://schemas.microsoft.com/office/powerpoint/2012/main">
+        <p15:guide id="1" orient="horz" pos="2160">
+          <p15:clr>
+            <a:srgbClr val="A4A3A4"/>
+          </p15:clr>
+        </p15:guide>
+        <p15:guide id="2" pos="2880">
+          <p15:clr>
+            <a:srgbClr val="A4A3A4"/>
+          </p15:clr>
+        </p15:guide>
+      </p15:sldGuideLst>
+    </p:ext>
+    <p:ext uri="{2D200454-40CA-4A62-9FC3-DE9A4176ACB9}">
+      <p15:notesGuideLst xmlns:p15="http://schemas.microsoft.com/office/powerpoint/2012/main">
+        <p15:guide id="1" orient="horz" pos="2880">
+          <p15:clr>
+            <a:srgbClr val="A4A3A4"/>
+          </p15:clr>
+        </p15:guide>
+        <p15:guide id="2" pos="2160">
+          <p15:clr>
+            <a:srgbClr val="A4A3A4"/>
+          </p15:clr>
+        </p15:guide>
+      </p15:notesGuideLst>
+    </p:ext>
+  </p:extLst>
 </p:presentation>
 </file>
 
@@ -885,7 +915,7 @@
 <dgm:dataModel xmlns:dgm="http://schemas.openxmlformats.org/drawingml/2006/diagram" xmlns:a="http://schemas.openxmlformats.org/drawingml/2006/main">
   <dgm:ptLst>
     <dgm:pt modelId="{591DF1B7-F57F-4C97-9BEF-25C9A3E444B9}" type="doc">
-      <dgm:prSet loTypeId="urn:microsoft.com/office/officeart/2005/8/layout/default" loCatId="list" qsTypeId="urn:microsoft.com/office/officeart/2005/8/quickstyle/simple1" qsCatId="simple" csTypeId="urn:microsoft.com/office/officeart/2005/8/colors/accent1_2" csCatId="accent1" phldr="1"/>
+      <dgm:prSet loTypeId="urn:microsoft.com/office/officeart/2005/8/layout/default#1" loCatId="list" qsTypeId="urn:microsoft.com/office/officeart/2005/8/quickstyle/simple1" qsCatId="simple" csTypeId="urn:microsoft.com/office/officeart/2005/8/colors/accent1_2" csCatId="accent1" phldr="1"/>
       <dgm:spPr/>
       <dgm:t>
         <a:bodyPr/>
@@ -1585,62 +1615,1007 @@
     </dgm:pt>
   </dgm:ptLst>
   <dgm:cxnLst>
+    <dgm:cxn modelId="{101FC8A4-F5AF-4D91-8BB4-DFA6DD7F4666}" srcId="{591DF1B7-F57F-4C97-9BEF-25C9A3E444B9}" destId="{E2ABBBAC-CE36-468A-91F8-DEC06F244384}" srcOrd="7" destOrd="0" parTransId="{F2D62102-7ADD-47FB-BC38-7B75DD872F06}" sibTransId="{AA5862D2-1594-412D-8C1E-21490A5F50F5}"/>
+    <dgm:cxn modelId="{049776B8-FA90-4450-B011-B505E6C0EFEF}" type="presOf" srcId="{ED071175-F6F2-42D1-B823-937F35523572}" destId="{921A5128-FBFB-47B7-9978-F75604EDACDF}" srcOrd="0" destOrd="0" presId="urn:microsoft.com/office/officeart/2005/8/layout/default#1"/>
+    <dgm:cxn modelId="{11088043-5DC9-46C5-9CA7-7834056F0658}" srcId="{591DF1B7-F57F-4C97-9BEF-25C9A3E444B9}" destId="{13EEEE0E-A214-4C3A-A56D-81BE7F06F047}" srcOrd="1" destOrd="0" parTransId="{64635283-29FD-4C3F-AECD-F96E40CDD659}" sibTransId="{589C9EF7-3E05-4AAD-BE3A-9A47D5DE3AB1}"/>
+    <dgm:cxn modelId="{8CA51E3F-1433-4B2E-B905-54D3F22EFD65}" type="presOf" srcId="{3E2D5B3B-67B8-4F14-913A-FC829DFF9DFC}" destId="{5FAA17EA-6DF5-4F9E-B26C-D8BA01EA7A5B}" srcOrd="0" destOrd="0" presId="urn:microsoft.com/office/officeart/2005/8/layout/default#1"/>
+    <dgm:cxn modelId="{CB409998-BCED-41D0-BADF-753893475C7C}" srcId="{591DF1B7-F57F-4C97-9BEF-25C9A3E444B9}" destId="{10C756C2-0A25-4B39-BB44-98118FBAC065}" srcOrd="6" destOrd="0" parTransId="{D82F7A44-5C60-4E2B-B558-6D86DD97168F}" sibTransId="{B1ECD47E-CE91-4714-A128-69A9F231A7A6}"/>
+    <dgm:cxn modelId="{ABFC0804-9328-4D77-9285-C8F907E041B9}" type="presOf" srcId="{69B3CA93-7515-4552-A6EC-6643603B63E8}" destId="{EFD15899-3348-4C4A-97B4-62D480073D45}" srcOrd="0" destOrd="0" presId="urn:microsoft.com/office/officeart/2005/8/layout/default#1"/>
+    <dgm:cxn modelId="{3B821756-FFDB-45AB-B046-497223D041D0}" type="presOf" srcId="{4E1122FB-9756-4A28-B262-BA0F6053177E}" destId="{E25119FE-587E-4CEB-8BA8-0B64BDE00A0D}" srcOrd="0" destOrd="0" presId="urn:microsoft.com/office/officeart/2005/8/layout/default#1"/>
+    <dgm:cxn modelId="{AA7186DE-51AC-41C7-952B-AD719536E6C5}" type="presOf" srcId="{E2ABBBAC-CE36-468A-91F8-DEC06F244384}" destId="{34E6566B-E38F-443A-8446-B7CCCEECDC50}" srcOrd="0" destOrd="0" presId="urn:microsoft.com/office/officeart/2005/8/layout/default#1"/>
+    <dgm:cxn modelId="{0D694A9E-B108-42B9-A5DF-F33466E24A07}" srcId="{591DF1B7-F57F-4C97-9BEF-25C9A3E444B9}" destId="{3E2D5B3B-67B8-4F14-913A-FC829DFF9DFC}" srcOrd="2" destOrd="0" parTransId="{1B04E82F-32EF-47B2-A322-6A9D559BE293}" sibTransId="{C85015AC-E245-40E1-B92A-4BC1C8B90BD4}"/>
     <dgm:cxn modelId="{D626A2D4-E274-4C5E-91AE-5FA1826DEA70}" srcId="{591DF1B7-F57F-4C97-9BEF-25C9A3E444B9}" destId="{BDFE3D2F-8643-4C57-9939-124D1B6EE5F4}" srcOrd="3" destOrd="0" parTransId="{0435161F-0853-4668-8DB3-94D49B9F93EE}" sibTransId="{494DCEB2-7710-46C9-884E-42F7FC0781D8}"/>
+    <dgm:cxn modelId="{4A45E6E6-AE67-458C-BEB3-180212F7D019}" type="presOf" srcId="{10C756C2-0A25-4B39-BB44-98118FBAC065}" destId="{923E22F0-E2EF-4A26-B7D7-AE3D4D9BE960}" srcOrd="0" destOrd="0" presId="urn:microsoft.com/office/officeart/2005/8/layout/default#1"/>
+    <dgm:cxn modelId="{E9354BC6-C102-4A0F-B25E-3D36DD95426F}" type="presOf" srcId="{01EFB243-B02C-41A3-B232-5BF1CB3D16F5}" destId="{B9E79E31-FE21-46BE-8633-3497840355D9}" srcOrd="0" destOrd="0" presId="urn:microsoft.com/office/officeart/2005/8/layout/default#1"/>
+    <dgm:cxn modelId="{809B1228-FC9C-474C-8802-8E87BFFBEC33}" type="presOf" srcId="{7E3C5AB1-F329-48F3-BFCD-4CC02235B56B}" destId="{BDB3E999-BA66-4A1D-A5E0-3D0A6DA3AFAD}" srcOrd="0" destOrd="0" presId="urn:microsoft.com/office/officeart/2005/8/layout/default#1"/>
+    <dgm:cxn modelId="{B26619E6-0051-4C1B-A7E1-2290BB242BA5}" srcId="{591DF1B7-F57F-4C97-9BEF-25C9A3E444B9}" destId="{336E5D51-C181-4497-A19C-16253A0C330B}" srcOrd="9" destOrd="0" parTransId="{7D466649-6C31-46F8-95E2-FCEEA96E13B8}" sibTransId="{99F8D32A-FFC8-46CC-9D97-688FF3EAC732}"/>
+    <dgm:cxn modelId="{3E85E26D-BAC9-4594-97CA-25BBFB9A972B}" srcId="{591DF1B7-F57F-4C97-9BEF-25C9A3E444B9}" destId="{69B3CA93-7515-4552-A6EC-6643603B63E8}" srcOrd="4" destOrd="0" parTransId="{9FE7F616-7C4D-4A3A-AD1D-D1FE4DFBE779}" sibTransId="{51D3FAF9-0619-4045-B3EB-A7594BDE7140}"/>
+    <dgm:cxn modelId="{8A29696E-3CA0-41B2-AF36-4161376F78D9}" srcId="{591DF1B7-F57F-4C97-9BEF-25C9A3E444B9}" destId="{01EFB243-B02C-41A3-B232-5BF1CB3D16F5}" srcOrd="5" destOrd="0" parTransId="{5C35A8F2-97B4-4669-BFBE-50BB79E72AD9}" sibTransId="{05B18C14-D0D0-462D-A350-5CFA03F1B83A}"/>
+    <dgm:cxn modelId="{A9996B89-B51F-42F8-A34E-1C509B7EB4DF}" srcId="{591DF1B7-F57F-4C97-9BEF-25C9A3E444B9}" destId="{ED071175-F6F2-42D1-B823-937F35523572}" srcOrd="10" destOrd="0" parTransId="{835AFA55-0DC8-4344-8DB6-1AA981AE7C4D}" sibTransId="{EADC756A-0A4C-4214-B603-9F9049EC9E5A}"/>
+    <dgm:cxn modelId="{EA411EE9-5736-4679-91B9-622881C5AEAC}" srcId="{591DF1B7-F57F-4C97-9BEF-25C9A3E444B9}" destId="{32ECCAEE-AB93-46BC-806B-397B7939826F}" srcOrd="8" destOrd="0" parTransId="{6AA5A465-FD36-44D6-A36A-6C5554EB8E7B}" sibTransId="{B0865EE4-39B5-4832-93BB-98CFAC9C292D}"/>
+    <dgm:cxn modelId="{2CB00E47-64D5-49F9-B47A-378F7B8BEEE4}" type="presOf" srcId="{13EEEE0E-A214-4C3A-A56D-81BE7F06F047}" destId="{4181D3D8-6912-40DB-8746-C698B1DFA864}" srcOrd="0" destOrd="0" presId="urn:microsoft.com/office/officeart/2005/8/layout/default#1"/>
+    <dgm:cxn modelId="{F580A668-47A4-4C00-B1CF-90CE18E43C45}" type="presOf" srcId="{BDFE3D2F-8643-4C57-9939-124D1B6EE5F4}" destId="{DA872B89-E536-4E94-8809-B8881F0B1E57}" srcOrd="0" destOrd="0" presId="urn:microsoft.com/office/officeart/2005/8/layout/default#1"/>
+    <dgm:cxn modelId="{AA20E448-8E17-4180-A081-3F28541EDC71}" type="presOf" srcId="{32ECCAEE-AB93-46BC-806B-397B7939826F}" destId="{AECDECB3-2B8D-476C-93C2-3E7B943F0B38}" srcOrd="0" destOrd="0" presId="urn:microsoft.com/office/officeart/2005/8/layout/default#1"/>
+    <dgm:cxn modelId="{13549DCF-F46F-44B3-97B7-5C85E46F2A17}" type="presOf" srcId="{336E5D51-C181-4497-A19C-16253A0C330B}" destId="{753336DA-4788-4BD3-A963-027ED980F8AF}" srcOrd="0" destOrd="0" presId="urn:microsoft.com/office/officeart/2005/8/layout/default#1"/>
+    <dgm:cxn modelId="{6898149C-DFDE-42D7-9E55-07C555CE0B5B}" type="presOf" srcId="{591DF1B7-F57F-4C97-9BEF-25C9A3E444B9}" destId="{15D8A7F4-DEFF-45CA-8FE8-3CE2DF1C8A16}" srcOrd="0" destOrd="0" presId="urn:microsoft.com/office/officeart/2005/8/layout/default#1"/>
+    <dgm:cxn modelId="{5681E7AA-6D20-46C4-B81C-7B8A3F1F94AD}" srcId="{591DF1B7-F57F-4C97-9BEF-25C9A3E444B9}" destId="{7E3C5AB1-F329-48F3-BFCD-4CC02235B56B}" srcOrd="11" destOrd="0" parTransId="{B0CCD320-F2F9-4E38-ADEA-2E0C14A5293F}" sibTransId="{5F3A0DB6-D2C8-45C9-A8CA-39F29F0406E5}"/>
     <dgm:cxn modelId="{2A40D9DC-AD41-47FE-AC47-8609A842FF77}" srcId="{591DF1B7-F57F-4C97-9BEF-25C9A3E444B9}" destId="{4E1122FB-9756-4A28-B262-BA0F6053177E}" srcOrd="0" destOrd="0" parTransId="{CA160B41-A182-4898-8079-C60B3064D7D6}" sibTransId="{4A1A7B30-B6C5-4FB9-AC2C-E6221B916D8A}"/>
-    <dgm:cxn modelId="{AA7186DE-51AC-41C7-952B-AD719536E6C5}" type="presOf" srcId="{E2ABBBAC-CE36-468A-91F8-DEC06F244384}" destId="{34E6566B-E38F-443A-8446-B7CCCEECDC50}" srcOrd="0" destOrd="0" presId="urn:microsoft.com/office/officeart/2005/8/layout/default"/>
-    <dgm:cxn modelId="{A9996B89-B51F-42F8-A34E-1C509B7EB4DF}" srcId="{591DF1B7-F57F-4C97-9BEF-25C9A3E444B9}" destId="{ED071175-F6F2-42D1-B823-937F35523572}" srcOrd="10" destOrd="0" parTransId="{835AFA55-0DC8-4344-8DB6-1AA981AE7C4D}" sibTransId="{EADC756A-0A4C-4214-B603-9F9049EC9E5A}"/>
-    <dgm:cxn modelId="{F580A668-47A4-4C00-B1CF-90CE18E43C45}" type="presOf" srcId="{BDFE3D2F-8643-4C57-9939-124D1B6EE5F4}" destId="{DA872B89-E536-4E94-8809-B8881F0B1E57}" srcOrd="0" destOrd="0" presId="urn:microsoft.com/office/officeart/2005/8/layout/default"/>
-    <dgm:cxn modelId="{049776B8-FA90-4450-B011-B505E6C0EFEF}" type="presOf" srcId="{ED071175-F6F2-42D1-B823-937F35523572}" destId="{921A5128-FBFB-47B7-9978-F75604EDACDF}" srcOrd="0" destOrd="0" presId="urn:microsoft.com/office/officeart/2005/8/layout/default"/>
-    <dgm:cxn modelId="{101FC8A4-F5AF-4D91-8BB4-DFA6DD7F4666}" srcId="{591DF1B7-F57F-4C97-9BEF-25C9A3E444B9}" destId="{E2ABBBAC-CE36-468A-91F8-DEC06F244384}" srcOrd="7" destOrd="0" parTransId="{F2D62102-7ADD-47FB-BC38-7B75DD872F06}" sibTransId="{AA5862D2-1594-412D-8C1E-21490A5F50F5}"/>
-    <dgm:cxn modelId="{2CB00E47-64D5-49F9-B47A-378F7B8BEEE4}" type="presOf" srcId="{13EEEE0E-A214-4C3A-A56D-81BE7F06F047}" destId="{4181D3D8-6912-40DB-8746-C698B1DFA864}" srcOrd="0" destOrd="0" presId="urn:microsoft.com/office/officeart/2005/8/layout/default"/>
-    <dgm:cxn modelId="{8A29696E-3CA0-41B2-AF36-4161376F78D9}" srcId="{591DF1B7-F57F-4C97-9BEF-25C9A3E444B9}" destId="{01EFB243-B02C-41A3-B232-5BF1CB3D16F5}" srcOrd="5" destOrd="0" parTransId="{5C35A8F2-97B4-4669-BFBE-50BB79E72AD9}" sibTransId="{05B18C14-D0D0-462D-A350-5CFA03F1B83A}"/>
-    <dgm:cxn modelId="{AA20E448-8E17-4180-A081-3F28541EDC71}" type="presOf" srcId="{32ECCAEE-AB93-46BC-806B-397B7939826F}" destId="{AECDECB3-2B8D-476C-93C2-3E7B943F0B38}" srcOrd="0" destOrd="0" presId="urn:microsoft.com/office/officeart/2005/8/layout/default"/>
-    <dgm:cxn modelId="{E9354BC6-C102-4A0F-B25E-3D36DD95426F}" type="presOf" srcId="{01EFB243-B02C-41A3-B232-5BF1CB3D16F5}" destId="{B9E79E31-FE21-46BE-8633-3497840355D9}" srcOrd="0" destOrd="0" presId="urn:microsoft.com/office/officeart/2005/8/layout/default"/>
-    <dgm:cxn modelId="{0D694A9E-B108-42B9-A5DF-F33466E24A07}" srcId="{591DF1B7-F57F-4C97-9BEF-25C9A3E444B9}" destId="{3E2D5B3B-67B8-4F14-913A-FC829DFF9DFC}" srcOrd="2" destOrd="0" parTransId="{1B04E82F-32EF-47B2-A322-6A9D559BE293}" sibTransId="{C85015AC-E245-40E1-B92A-4BC1C8B90BD4}"/>
-    <dgm:cxn modelId="{13549DCF-F46F-44B3-97B7-5C85E46F2A17}" type="presOf" srcId="{336E5D51-C181-4497-A19C-16253A0C330B}" destId="{753336DA-4788-4BD3-A963-027ED980F8AF}" srcOrd="0" destOrd="0" presId="urn:microsoft.com/office/officeart/2005/8/layout/default"/>
-    <dgm:cxn modelId="{B26619E6-0051-4C1B-A7E1-2290BB242BA5}" srcId="{591DF1B7-F57F-4C97-9BEF-25C9A3E444B9}" destId="{336E5D51-C181-4497-A19C-16253A0C330B}" srcOrd="9" destOrd="0" parTransId="{7D466649-6C31-46F8-95E2-FCEEA96E13B8}" sibTransId="{99F8D32A-FFC8-46CC-9D97-688FF3EAC732}"/>
-    <dgm:cxn modelId="{809B1228-FC9C-474C-8802-8E87BFFBEC33}" type="presOf" srcId="{7E3C5AB1-F329-48F3-BFCD-4CC02235B56B}" destId="{BDB3E999-BA66-4A1D-A5E0-3D0A6DA3AFAD}" srcOrd="0" destOrd="0" presId="urn:microsoft.com/office/officeart/2005/8/layout/default"/>
-    <dgm:cxn modelId="{4A45E6E6-AE67-458C-BEB3-180212F7D019}" type="presOf" srcId="{10C756C2-0A25-4B39-BB44-98118FBAC065}" destId="{923E22F0-E2EF-4A26-B7D7-AE3D4D9BE960}" srcOrd="0" destOrd="0" presId="urn:microsoft.com/office/officeart/2005/8/layout/default"/>
-    <dgm:cxn modelId="{3B821756-FFDB-45AB-B046-497223D041D0}" type="presOf" srcId="{4E1122FB-9756-4A28-B262-BA0F6053177E}" destId="{E25119FE-587E-4CEB-8BA8-0B64BDE00A0D}" srcOrd="0" destOrd="0" presId="urn:microsoft.com/office/officeart/2005/8/layout/default"/>
-    <dgm:cxn modelId="{EA411EE9-5736-4679-91B9-622881C5AEAC}" srcId="{591DF1B7-F57F-4C97-9BEF-25C9A3E444B9}" destId="{32ECCAEE-AB93-46BC-806B-397B7939826F}" srcOrd="8" destOrd="0" parTransId="{6AA5A465-FD36-44D6-A36A-6C5554EB8E7B}" sibTransId="{B0865EE4-39B5-4832-93BB-98CFAC9C292D}"/>
-    <dgm:cxn modelId="{6898149C-DFDE-42D7-9E55-07C555CE0B5B}" type="presOf" srcId="{591DF1B7-F57F-4C97-9BEF-25C9A3E444B9}" destId="{15D8A7F4-DEFF-45CA-8FE8-3CE2DF1C8A16}" srcOrd="0" destOrd="0" presId="urn:microsoft.com/office/officeart/2005/8/layout/default"/>
-    <dgm:cxn modelId="{ABFC0804-9328-4D77-9285-C8F907E041B9}" type="presOf" srcId="{69B3CA93-7515-4552-A6EC-6643603B63E8}" destId="{EFD15899-3348-4C4A-97B4-62D480073D45}" srcOrd="0" destOrd="0" presId="urn:microsoft.com/office/officeart/2005/8/layout/default"/>
-    <dgm:cxn modelId="{CB409998-BCED-41D0-BADF-753893475C7C}" srcId="{591DF1B7-F57F-4C97-9BEF-25C9A3E444B9}" destId="{10C756C2-0A25-4B39-BB44-98118FBAC065}" srcOrd="6" destOrd="0" parTransId="{D82F7A44-5C60-4E2B-B558-6D86DD97168F}" sibTransId="{B1ECD47E-CE91-4714-A128-69A9F231A7A6}"/>
-    <dgm:cxn modelId="{5681E7AA-6D20-46C4-B81C-7B8A3F1F94AD}" srcId="{591DF1B7-F57F-4C97-9BEF-25C9A3E444B9}" destId="{7E3C5AB1-F329-48F3-BFCD-4CC02235B56B}" srcOrd="11" destOrd="0" parTransId="{B0CCD320-F2F9-4E38-ADEA-2E0C14A5293F}" sibTransId="{5F3A0DB6-D2C8-45C9-A8CA-39F29F0406E5}"/>
-    <dgm:cxn modelId="{11088043-5DC9-46C5-9CA7-7834056F0658}" srcId="{591DF1B7-F57F-4C97-9BEF-25C9A3E444B9}" destId="{13EEEE0E-A214-4C3A-A56D-81BE7F06F047}" srcOrd="1" destOrd="0" parTransId="{64635283-29FD-4C3F-AECD-F96E40CDD659}" sibTransId="{589C9EF7-3E05-4AAD-BE3A-9A47D5DE3AB1}"/>
-    <dgm:cxn modelId="{3E85E26D-BAC9-4594-97CA-25BBFB9A972B}" srcId="{591DF1B7-F57F-4C97-9BEF-25C9A3E444B9}" destId="{69B3CA93-7515-4552-A6EC-6643603B63E8}" srcOrd="4" destOrd="0" parTransId="{9FE7F616-7C4D-4A3A-AD1D-D1FE4DFBE779}" sibTransId="{51D3FAF9-0619-4045-B3EB-A7594BDE7140}"/>
-    <dgm:cxn modelId="{8CA51E3F-1433-4B2E-B905-54D3F22EFD65}" type="presOf" srcId="{3E2D5B3B-67B8-4F14-913A-FC829DFF9DFC}" destId="{5FAA17EA-6DF5-4F9E-B26C-D8BA01EA7A5B}" srcOrd="0" destOrd="0" presId="urn:microsoft.com/office/officeart/2005/8/layout/default"/>
-    <dgm:cxn modelId="{BE9742D7-6CF8-4772-AFFA-C8DCDEA5D517}" type="presParOf" srcId="{15D8A7F4-DEFF-45CA-8FE8-3CE2DF1C8A16}" destId="{E25119FE-587E-4CEB-8BA8-0B64BDE00A0D}" srcOrd="0" destOrd="0" presId="urn:microsoft.com/office/officeart/2005/8/layout/default"/>
-    <dgm:cxn modelId="{C64918F4-AD83-4DB9-8BE9-1D4271742ABA}" type="presParOf" srcId="{15D8A7F4-DEFF-45CA-8FE8-3CE2DF1C8A16}" destId="{95D17C3E-C676-4F96-8666-101B28B5DC38}" srcOrd="1" destOrd="0" presId="urn:microsoft.com/office/officeart/2005/8/layout/default"/>
-    <dgm:cxn modelId="{53B44B02-3D08-4DC0-8E8B-0A9210471211}" type="presParOf" srcId="{15D8A7F4-DEFF-45CA-8FE8-3CE2DF1C8A16}" destId="{4181D3D8-6912-40DB-8746-C698B1DFA864}" srcOrd="2" destOrd="0" presId="urn:microsoft.com/office/officeart/2005/8/layout/default"/>
-    <dgm:cxn modelId="{065801D9-5DAF-45B3-87E4-52E3D48A60D8}" type="presParOf" srcId="{15D8A7F4-DEFF-45CA-8FE8-3CE2DF1C8A16}" destId="{C0207E78-73D4-4B8C-8CE9-0E8F0E9F8A16}" srcOrd="3" destOrd="0" presId="urn:microsoft.com/office/officeart/2005/8/layout/default"/>
-    <dgm:cxn modelId="{4CEE5524-FF18-47EE-8412-09514CB3DC46}" type="presParOf" srcId="{15D8A7F4-DEFF-45CA-8FE8-3CE2DF1C8A16}" destId="{5FAA17EA-6DF5-4F9E-B26C-D8BA01EA7A5B}" srcOrd="4" destOrd="0" presId="urn:microsoft.com/office/officeart/2005/8/layout/default"/>
-    <dgm:cxn modelId="{EA75FF0E-D3BA-40F9-A2FA-AB221ACED4C2}" type="presParOf" srcId="{15D8A7F4-DEFF-45CA-8FE8-3CE2DF1C8A16}" destId="{A5157383-FC0B-4A20-9125-BC4DFA6FC20D}" srcOrd="5" destOrd="0" presId="urn:microsoft.com/office/officeart/2005/8/layout/default"/>
-    <dgm:cxn modelId="{3095FD69-4489-4336-AE66-B19A6E86EA9D}" type="presParOf" srcId="{15D8A7F4-DEFF-45CA-8FE8-3CE2DF1C8A16}" destId="{DA872B89-E536-4E94-8809-B8881F0B1E57}" srcOrd="6" destOrd="0" presId="urn:microsoft.com/office/officeart/2005/8/layout/default"/>
-    <dgm:cxn modelId="{648AA412-6AEC-4768-A199-A4D76F718873}" type="presParOf" srcId="{15D8A7F4-DEFF-45CA-8FE8-3CE2DF1C8A16}" destId="{4B3D07B2-6035-4016-9AEE-AD4F6FE81C92}" srcOrd="7" destOrd="0" presId="urn:microsoft.com/office/officeart/2005/8/layout/default"/>
-    <dgm:cxn modelId="{59F4031E-D4AF-41A3-A675-9A0ED204BB73}" type="presParOf" srcId="{15D8A7F4-DEFF-45CA-8FE8-3CE2DF1C8A16}" destId="{EFD15899-3348-4C4A-97B4-62D480073D45}" srcOrd="8" destOrd="0" presId="urn:microsoft.com/office/officeart/2005/8/layout/default"/>
-    <dgm:cxn modelId="{2FCFC604-4D5F-47B3-8FED-F547362D567F}" type="presParOf" srcId="{15D8A7F4-DEFF-45CA-8FE8-3CE2DF1C8A16}" destId="{1BFE489B-9AF6-443F-A19D-B4F240CAFFC8}" srcOrd="9" destOrd="0" presId="urn:microsoft.com/office/officeart/2005/8/layout/default"/>
-    <dgm:cxn modelId="{FBC538ED-AEE9-4F10-8333-BAF41AEFEEFE}" type="presParOf" srcId="{15D8A7F4-DEFF-45CA-8FE8-3CE2DF1C8A16}" destId="{B9E79E31-FE21-46BE-8633-3497840355D9}" srcOrd="10" destOrd="0" presId="urn:microsoft.com/office/officeart/2005/8/layout/default"/>
-    <dgm:cxn modelId="{F3ABBE52-1030-4FE6-A1EA-6FD83CFCCD6E}" type="presParOf" srcId="{15D8A7F4-DEFF-45CA-8FE8-3CE2DF1C8A16}" destId="{7F8A0859-8B42-4575-AA26-10FA2D3E9F9E}" srcOrd="11" destOrd="0" presId="urn:microsoft.com/office/officeart/2005/8/layout/default"/>
-    <dgm:cxn modelId="{99CA8F78-C113-4801-B2B4-6955941F070D}" type="presParOf" srcId="{15D8A7F4-DEFF-45CA-8FE8-3CE2DF1C8A16}" destId="{923E22F0-E2EF-4A26-B7D7-AE3D4D9BE960}" srcOrd="12" destOrd="0" presId="urn:microsoft.com/office/officeart/2005/8/layout/default"/>
-    <dgm:cxn modelId="{3A921A7B-C567-43E9-B832-686905DC6A5B}" type="presParOf" srcId="{15D8A7F4-DEFF-45CA-8FE8-3CE2DF1C8A16}" destId="{9F622A8F-C89A-48C0-AA26-8F70D7AD7027}" srcOrd="13" destOrd="0" presId="urn:microsoft.com/office/officeart/2005/8/layout/default"/>
-    <dgm:cxn modelId="{EB3A64B2-4CC1-4EF2-A70C-8BC212873A86}" type="presParOf" srcId="{15D8A7F4-DEFF-45CA-8FE8-3CE2DF1C8A16}" destId="{34E6566B-E38F-443A-8446-B7CCCEECDC50}" srcOrd="14" destOrd="0" presId="urn:microsoft.com/office/officeart/2005/8/layout/default"/>
-    <dgm:cxn modelId="{D921928D-4DF8-40C9-AEC0-0E654B75453F}" type="presParOf" srcId="{15D8A7F4-DEFF-45CA-8FE8-3CE2DF1C8A16}" destId="{AC9814DD-68F2-417C-85E4-6921E17DD4DB}" srcOrd="15" destOrd="0" presId="urn:microsoft.com/office/officeart/2005/8/layout/default"/>
-    <dgm:cxn modelId="{BD04C5C0-1D30-499D-82BD-B61C69D6BE87}" type="presParOf" srcId="{15D8A7F4-DEFF-45CA-8FE8-3CE2DF1C8A16}" destId="{AECDECB3-2B8D-476C-93C2-3E7B943F0B38}" srcOrd="16" destOrd="0" presId="urn:microsoft.com/office/officeart/2005/8/layout/default"/>
-    <dgm:cxn modelId="{2583B4F6-BA5B-4076-976A-3E0C55D78208}" type="presParOf" srcId="{15D8A7F4-DEFF-45CA-8FE8-3CE2DF1C8A16}" destId="{F0B3FED0-D453-44DB-86D7-3FB24C9A85EE}" srcOrd="17" destOrd="0" presId="urn:microsoft.com/office/officeart/2005/8/layout/default"/>
-    <dgm:cxn modelId="{D6DCDFE7-89FC-4074-AC3C-190305D6436B}" type="presParOf" srcId="{15D8A7F4-DEFF-45CA-8FE8-3CE2DF1C8A16}" destId="{753336DA-4788-4BD3-A963-027ED980F8AF}" srcOrd="18" destOrd="0" presId="urn:microsoft.com/office/officeart/2005/8/layout/default"/>
-    <dgm:cxn modelId="{4B6BB162-9317-4FCD-96BA-D5FCD9F56817}" type="presParOf" srcId="{15D8A7F4-DEFF-45CA-8FE8-3CE2DF1C8A16}" destId="{10886B58-2615-4381-B0A1-6C42BE921F00}" srcOrd="19" destOrd="0" presId="urn:microsoft.com/office/officeart/2005/8/layout/default"/>
-    <dgm:cxn modelId="{868A0EF8-AECD-441D-BEC4-9AF10596FCBB}" type="presParOf" srcId="{15D8A7F4-DEFF-45CA-8FE8-3CE2DF1C8A16}" destId="{921A5128-FBFB-47B7-9978-F75604EDACDF}" srcOrd="20" destOrd="0" presId="urn:microsoft.com/office/officeart/2005/8/layout/default"/>
-    <dgm:cxn modelId="{0DAF796D-1A1E-4ED2-9A5E-88729F4F02D1}" type="presParOf" srcId="{15D8A7F4-DEFF-45CA-8FE8-3CE2DF1C8A16}" destId="{46172D17-AE24-49BF-ADA4-32FA710E088F}" srcOrd="21" destOrd="0" presId="urn:microsoft.com/office/officeart/2005/8/layout/default"/>
-    <dgm:cxn modelId="{C6B22DCD-5AED-4027-B08A-869EC51DD7CD}" type="presParOf" srcId="{15D8A7F4-DEFF-45CA-8FE8-3CE2DF1C8A16}" destId="{BDB3E999-BA66-4A1D-A5E0-3D0A6DA3AFAD}" srcOrd="22" destOrd="0" presId="urn:microsoft.com/office/officeart/2005/8/layout/default"/>
+    <dgm:cxn modelId="{BE9742D7-6CF8-4772-AFFA-C8DCDEA5D517}" type="presParOf" srcId="{15D8A7F4-DEFF-45CA-8FE8-3CE2DF1C8A16}" destId="{E25119FE-587E-4CEB-8BA8-0B64BDE00A0D}" srcOrd="0" destOrd="0" presId="urn:microsoft.com/office/officeart/2005/8/layout/default#1"/>
+    <dgm:cxn modelId="{C64918F4-AD83-4DB9-8BE9-1D4271742ABA}" type="presParOf" srcId="{15D8A7F4-DEFF-45CA-8FE8-3CE2DF1C8A16}" destId="{95D17C3E-C676-4F96-8666-101B28B5DC38}" srcOrd="1" destOrd="0" presId="urn:microsoft.com/office/officeart/2005/8/layout/default#1"/>
+    <dgm:cxn modelId="{53B44B02-3D08-4DC0-8E8B-0A9210471211}" type="presParOf" srcId="{15D8A7F4-DEFF-45CA-8FE8-3CE2DF1C8A16}" destId="{4181D3D8-6912-40DB-8746-C698B1DFA864}" srcOrd="2" destOrd="0" presId="urn:microsoft.com/office/officeart/2005/8/layout/default#1"/>
+    <dgm:cxn modelId="{065801D9-5DAF-45B3-87E4-52E3D48A60D8}" type="presParOf" srcId="{15D8A7F4-DEFF-45CA-8FE8-3CE2DF1C8A16}" destId="{C0207E78-73D4-4B8C-8CE9-0E8F0E9F8A16}" srcOrd="3" destOrd="0" presId="urn:microsoft.com/office/officeart/2005/8/layout/default#1"/>
+    <dgm:cxn modelId="{4CEE5524-FF18-47EE-8412-09514CB3DC46}" type="presParOf" srcId="{15D8A7F4-DEFF-45CA-8FE8-3CE2DF1C8A16}" destId="{5FAA17EA-6DF5-4F9E-B26C-D8BA01EA7A5B}" srcOrd="4" destOrd="0" presId="urn:microsoft.com/office/officeart/2005/8/layout/default#1"/>
+    <dgm:cxn modelId="{EA75FF0E-D3BA-40F9-A2FA-AB221ACED4C2}" type="presParOf" srcId="{15D8A7F4-DEFF-45CA-8FE8-3CE2DF1C8A16}" destId="{A5157383-FC0B-4A20-9125-BC4DFA6FC20D}" srcOrd="5" destOrd="0" presId="urn:microsoft.com/office/officeart/2005/8/layout/default#1"/>
+    <dgm:cxn modelId="{3095FD69-4489-4336-AE66-B19A6E86EA9D}" type="presParOf" srcId="{15D8A7F4-DEFF-45CA-8FE8-3CE2DF1C8A16}" destId="{DA872B89-E536-4E94-8809-B8881F0B1E57}" srcOrd="6" destOrd="0" presId="urn:microsoft.com/office/officeart/2005/8/layout/default#1"/>
+    <dgm:cxn modelId="{648AA412-6AEC-4768-A199-A4D76F718873}" type="presParOf" srcId="{15D8A7F4-DEFF-45CA-8FE8-3CE2DF1C8A16}" destId="{4B3D07B2-6035-4016-9AEE-AD4F6FE81C92}" srcOrd="7" destOrd="0" presId="urn:microsoft.com/office/officeart/2005/8/layout/default#1"/>
+    <dgm:cxn modelId="{59F4031E-D4AF-41A3-A675-9A0ED204BB73}" type="presParOf" srcId="{15D8A7F4-DEFF-45CA-8FE8-3CE2DF1C8A16}" destId="{EFD15899-3348-4C4A-97B4-62D480073D45}" srcOrd="8" destOrd="0" presId="urn:microsoft.com/office/officeart/2005/8/layout/default#1"/>
+    <dgm:cxn modelId="{2FCFC604-4D5F-47B3-8FED-F547362D567F}" type="presParOf" srcId="{15D8A7F4-DEFF-45CA-8FE8-3CE2DF1C8A16}" destId="{1BFE489B-9AF6-443F-A19D-B4F240CAFFC8}" srcOrd="9" destOrd="0" presId="urn:microsoft.com/office/officeart/2005/8/layout/default#1"/>
+    <dgm:cxn modelId="{FBC538ED-AEE9-4F10-8333-BAF41AEFEEFE}" type="presParOf" srcId="{15D8A7F4-DEFF-45CA-8FE8-3CE2DF1C8A16}" destId="{B9E79E31-FE21-46BE-8633-3497840355D9}" srcOrd="10" destOrd="0" presId="urn:microsoft.com/office/officeart/2005/8/layout/default#1"/>
+    <dgm:cxn modelId="{F3ABBE52-1030-4FE6-A1EA-6FD83CFCCD6E}" type="presParOf" srcId="{15D8A7F4-DEFF-45CA-8FE8-3CE2DF1C8A16}" destId="{7F8A0859-8B42-4575-AA26-10FA2D3E9F9E}" srcOrd="11" destOrd="0" presId="urn:microsoft.com/office/officeart/2005/8/layout/default#1"/>
+    <dgm:cxn modelId="{99CA8F78-C113-4801-B2B4-6955941F070D}" type="presParOf" srcId="{15D8A7F4-DEFF-45CA-8FE8-3CE2DF1C8A16}" destId="{923E22F0-E2EF-4A26-B7D7-AE3D4D9BE960}" srcOrd="12" destOrd="0" presId="urn:microsoft.com/office/officeart/2005/8/layout/default#1"/>
+    <dgm:cxn modelId="{3A921A7B-C567-43E9-B832-686905DC6A5B}" type="presParOf" srcId="{15D8A7F4-DEFF-45CA-8FE8-3CE2DF1C8A16}" destId="{9F622A8F-C89A-48C0-AA26-8F70D7AD7027}" srcOrd="13" destOrd="0" presId="urn:microsoft.com/office/officeart/2005/8/layout/default#1"/>
+    <dgm:cxn modelId="{EB3A64B2-4CC1-4EF2-A70C-8BC212873A86}" type="presParOf" srcId="{15D8A7F4-DEFF-45CA-8FE8-3CE2DF1C8A16}" destId="{34E6566B-E38F-443A-8446-B7CCCEECDC50}" srcOrd="14" destOrd="0" presId="urn:microsoft.com/office/officeart/2005/8/layout/default#1"/>
+    <dgm:cxn modelId="{D921928D-4DF8-40C9-AEC0-0E654B75453F}" type="presParOf" srcId="{15D8A7F4-DEFF-45CA-8FE8-3CE2DF1C8A16}" destId="{AC9814DD-68F2-417C-85E4-6921E17DD4DB}" srcOrd="15" destOrd="0" presId="urn:microsoft.com/office/officeart/2005/8/layout/default#1"/>
+    <dgm:cxn modelId="{BD04C5C0-1D30-499D-82BD-B61C69D6BE87}" type="presParOf" srcId="{15D8A7F4-DEFF-45CA-8FE8-3CE2DF1C8A16}" destId="{AECDECB3-2B8D-476C-93C2-3E7B943F0B38}" srcOrd="16" destOrd="0" presId="urn:microsoft.com/office/officeart/2005/8/layout/default#1"/>
+    <dgm:cxn modelId="{2583B4F6-BA5B-4076-976A-3E0C55D78208}" type="presParOf" srcId="{15D8A7F4-DEFF-45CA-8FE8-3CE2DF1C8A16}" destId="{F0B3FED0-D453-44DB-86D7-3FB24C9A85EE}" srcOrd="17" destOrd="0" presId="urn:microsoft.com/office/officeart/2005/8/layout/default#1"/>
+    <dgm:cxn modelId="{D6DCDFE7-89FC-4074-AC3C-190305D6436B}" type="presParOf" srcId="{15D8A7F4-DEFF-45CA-8FE8-3CE2DF1C8A16}" destId="{753336DA-4788-4BD3-A963-027ED980F8AF}" srcOrd="18" destOrd="0" presId="urn:microsoft.com/office/officeart/2005/8/layout/default#1"/>
+    <dgm:cxn modelId="{4B6BB162-9317-4FCD-96BA-D5FCD9F56817}" type="presParOf" srcId="{15D8A7F4-DEFF-45CA-8FE8-3CE2DF1C8A16}" destId="{10886B58-2615-4381-B0A1-6C42BE921F00}" srcOrd="19" destOrd="0" presId="urn:microsoft.com/office/officeart/2005/8/layout/default#1"/>
+    <dgm:cxn modelId="{868A0EF8-AECD-441D-BEC4-9AF10596FCBB}" type="presParOf" srcId="{15D8A7F4-DEFF-45CA-8FE8-3CE2DF1C8A16}" destId="{921A5128-FBFB-47B7-9978-F75604EDACDF}" srcOrd="20" destOrd="0" presId="urn:microsoft.com/office/officeart/2005/8/layout/default#1"/>
+    <dgm:cxn modelId="{0DAF796D-1A1E-4ED2-9A5E-88729F4F02D1}" type="presParOf" srcId="{15D8A7F4-DEFF-45CA-8FE8-3CE2DF1C8A16}" destId="{46172D17-AE24-49BF-ADA4-32FA710E088F}" srcOrd="21" destOrd="0" presId="urn:microsoft.com/office/officeart/2005/8/layout/default#1"/>
+    <dgm:cxn modelId="{C6B22DCD-5AED-4027-B08A-869EC51DD7CD}" type="presParOf" srcId="{15D8A7F4-DEFF-45CA-8FE8-3CE2DF1C8A16}" destId="{BDB3E999-BA66-4A1D-A5E0-3D0A6DA3AFAD}" srcOrd="22" destOrd="0" presId="urn:microsoft.com/office/officeart/2005/8/layout/default#1"/>
   </dgm:cxnLst>
   <dgm:bg/>
   <dgm:whole/>
+  <dgm:extLst>
+    <a:ext uri="http://schemas.microsoft.com/office/drawing/2008/diagram">
+      <dsp:dataModelExt xmlns:dsp="http://schemas.microsoft.com/office/drawing/2008/diagram" relId="rId6" minVer="http://schemas.openxmlformats.org/drawingml/2006/diagram"/>
+    </a:ext>
+  </dgm:extLst>
 </dgm:dataModel>
 </file>
 
+<file path=ppt/diagrams/drawing1.xml><?xml version="1.0" encoding="utf-8"?>
+<dsp:drawing xmlns:dgm="http://schemas.openxmlformats.org/drawingml/2006/diagram" xmlns:dsp="http://schemas.microsoft.com/office/drawing/2008/diagram" xmlns:a="http://schemas.openxmlformats.org/drawingml/2006/main">
+  <dsp:spTree>
+    <dsp:nvGrpSpPr>
+      <dsp:cNvPr id="0" name=""/>
+      <dsp:cNvGrpSpPr/>
+    </dsp:nvGrpSpPr>
+    <dsp:grpSpPr/>
+    <dsp:sp modelId="{E25119FE-587E-4CEB-8BA8-0B64BDE00A0D}">
+      <dsp:nvSpPr>
+        <dsp:cNvPr id="0" name=""/>
+        <dsp:cNvSpPr/>
+      </dsp:nvSpPr>
+      <dsp:spPr>
+        <a:xfrm>
+          <a:off x="330121" y="601"/>
+          <a:ext cx="1825192" cy="1095115"/>
+        </a:xfrm>
+        <a:prstGeom prst="rect">
+          <a:avLst/>
+        </a:prstGeom>
+        <a:solidFill>
+          <a:schemeClr val="accent1">
+            <a:hueOff val="0"/>
+            <a:satOff val="0"/>
+            <a:lumOff val="0"/>
+            <a:alphaOff val="0"/>
+          </a:schemeClr>
+        </a:solidFill>
+        <a:ln w="25400" cap="flat" cmpd="sng" algn="ctr">
+          <a:solidFill>
+            <a:schemeClr val="lt1">
+              <a:hueOff val="0"/>
+              <a:satOff val="0"/>
+              <a:lumOff val="0"/>
+              <a:alphaOff val="0"/>
+            </a:schemeClr>
+          </a:solidFill>
+          <a:prstDash val="solid"/>
+        </a:ln>
+        <a:effectLst/>
+      </dsp:spPr>
+      <dsp:style>
+        <a:lnRef idx="2">
+          <a:scrgbClr r="0" g="0" b="0"/>
+        </a:lnRef>
+        <a:fillRef idx="1">
+          <a:scrgbClr r="0" g="0" b="0"/>
+        </a:fillRef>
+        <a:effectRef idx="0">
+          <a:scrgbClr r="0" g="0" b="0"/>
+        </a:effectRef>
+        <a:fontRef idx="minor">
+          <a:schemeClr val="lt1"/>
+        </a:fontRef>
+      </dsp:style>
+      <dsp:txBody>
+        <a:bodyPr spcFirstLastPara="0" vert="horz" wrap="square" lIns="80010" tIns="80010" rIns="80010" bIns="80010" numCol="1" spcCol="1270" anchor="ctr" anchorCtr="0">
+          <a:noAutofit/>
+        </a:bodyPr>
+        <a:lstStyle/>
+        <a:p>
+          <a:pPr lvl="0" algn="ctr" defTabSz="933450">
+            <a:lnSpc>
+              <a:spcPct val="90000"/>
+            </a:lnSpc>
+            <a:spcBef>
+              <a:spcPct val="0"/>
+            </a:spcBef>
+            <a:spcAft>
+              <a:spcPct val="35000"/>
+            </a:spcAft>
+          </a:pPr>
+          <a:r>
+            <a:rPr lang="pt-BR" sz="2100" kern="1200" dirty="0" smtClean="0"/>
+            <a:t>Programa de computador</a:t>
+          </a:r>
+          <a:endParaRPr lang="pt-BR" sz="2100" kern="1200" dirty="0"/>
+        </a:p>
+      </dsp:txBody>
+      <dsp:txXfrm>
+        <a:off x="330121" y="601"/>
+        <a:ext cx="1825192" cy="1095115"/>
+      </dsp:txXfrm>
+    </dsp:sp>
+    <dsp:sp modelId="{4181D3D8-6912-40DB-8746-C698B1DFA864}">
+      <dsp:nvSpPr>
+        <dsp:cNvPr id="0" name=""/>
+        <dsp:cNvSpPr/>
+      </dsp:nvSpPr>
+      <dsp:spPr>
+        <a:xfrm>
+          <a:off x="2337832" y="601"/>
+          <a:ext cx="1825192" cy="1095115"/>
+        </a:xfrm>
+        <a:prstGeom prst="rect">
+          <a:avLst/>
+        </a:prstGeom>
+        <a:solidFill>
+          <a:schemeClr val="accent1">
+            <a:hueOff val="0"/>
+            <a:satOff val="0"/>
+            <a:lumOff val="0"/>
+            <a:alphaOff val="0"/>
+          </a:schemeClr>
+        </a:solidFill>
+        <a:ln w="25400" cap="flat" cmpd="sng" algn="ctr">
+          <a:solidFill>
+            <a:schemeClr val="lt1">
+              <a:hueOff val="0"/>
+              <a:satOff val="0"/>
+              <a:lumOff val="0"/>
+              <a:alphaOff val="0"/>
+            </a:schemeClr>
+          </a:solidFill>
+          <a:prstDash val="solid"/>
+        </a:ln>
+        <a:effectLst/>
+      </dsp:spPr>
+      <dsp:style>
+        <a:lnRef idx="2">
+          <a:scrgbClr r="0" g="0" b="0"/>
+        </a:lnRef>
+        <a:fillRef idx="1">
+          <a:scrgbClr r="0" g="0" b="0"/>
+        </a:fillRef>
+        <a:effectRef idx="0">
+          <a:scrgbClr r="0" g="0" b="0"/>
+        </a:effectRef>
+        <a:fontRef idx="minor">
+          <a:schemeClr val="lt1"/>
+        </a:fontRef>
+      </dsp:style>
+      <dsp:txBody>
+        <a:bodyPr spcFirstLastPara="0" vert="horz" wrap="square" lIns="80010" tIns="80010" rIns="80010" bIns="80010" numCol="1" spcCol="1270" anchor="ctr" anchorCtr="0">
+          <a:noAutofit/>
+        </a:bodyPr>
+        <a:lstStyle/>
+        <a:p>
+          <a:pPr lvl="0" algn="ctr" defTabSz="933450">
+            <a:lnSpc>
+              <a:spcPct val="90000"/>
+            </a:lnSpc>
+            <a:spcBef>
+              <a:spcPct val="0"/>
+            </a:spcBef>
+            <a:spcAft>
+              <a:spcPct val="35000"/>
+            </a:spcAft>
+          </a:pPr>
+          <a:r>
+            <a:rPr lang="pt-BR" sz="2100" kern="1200" dirty="0" smtClean="0"/>
+            <a:t>Questionários</a:t>
+          </a:r>
+          <a:endParaRPr lang="pt-BR" sz="2100" kern="1200" dirty="0"/>
+        </a:p>
+      </dsp:txBody>
+      <dsp:txXfrm>
+        <a:off x="2337832" y="601"/>
+        <a:ext cx="1825192" cy="1095115"/>
+      </dsp:txXfrm>
+    </dsp:sp>
+    <dsp:sp modelId="{5FAA17EA-6DF5-4F9E-B26C-D8BA01EA7A5B}">
+      <dsp:nvSpPr>
+        <dsp:cNvPr id="0" name=""/>
+        <dsp:cNvSpPr/>
+      </dsp:nvSpPr>
+      <dsp:spPr>
+        <a:xfrm>
+          <a:off x="4345544" y="601"/>
+          <a:ext cx="1825192" cy="1095115"/>
+        </a:xfrm>
+        <a:prstGeom prst="rect">
+          <a:avLst/>
+        </a:prstGeom>
+        <a:solidFill>
+          <a:schemeClr val="accent1">
+            <a:hueOff val="0"/>
+            <a:satOff val="0"/>
+            <a:lumOff val="0"/>
+            <a:alphaOff val="0"/>
+          </a:schemeClr>
+        </a:solidFill>
+        <a:ln w="25400" cap="flat" cmpd="sng" algn="ctr">
+          <a:solidFill>
+            <a:schemeClr val="lt1">
+              <a:hueOff val="0"/>
+              <a:satOff val="0"/>
+              <a:lumOff val="0"/>
+              <a:alphaOff val="0"/>
+            </a:schemeClr>
+          </a:solidFill>
+          <a:prstDash val="solid"/>
+        </a:ln>
+        <a:effectLst/>
+      </dsp:spPr>
+      <dsp:style>
+        <a:lnRef idx="2">
+          <a:scrgbClr r="0" g="0" b="0"/>
+        </a:lnRef>
+        <a:fillRef idx="1">
+          <a:scrgbClr r="0" g="0" b="0"/>
+        </a:fillRef>
+        <a:effectRef idx="0">
+          <a:scrgbClr r="0" g="0" b="0"/>
+        </a:effectRef>
+        <a:fontRef idx="minor">
+          <a:schemeClr val="lt1"/>
+        </a:fontRef>
+      </dsp:style>
+      <dsp:txBody>
+        <a:bodyPr spcFirstLastPara="0" vert="horz" wrap="square" lIns="80010" tIns="80010" rIns="80010" bIns="80010" numCol="1" spcCol="1270" anchor="ctr" anchorCtr="0">
+          <a:noAutofit/>
+        </a:bodyPr>
+        <a:lstStyle/>
+        <a:p>
+          <a:pPr lvl="0" algn="ctr" defTabSz="933450">
+            <a:lnSpc>
+              <a:spcPct val="90000"/>
+            </a:lnSpc>
+            <a:spcBef>
+              <a:spcPct val="0"/>
+            </a:spcBef>
+            <a:spcAft>
+              <a:spcPct val="35000"/>
+            </a:spcAft>
+          </a:pPr>
+          <a:r>
+            <a:rPr lang="pt-BR" sz="2100" kern="1200" dirty="0" smtClean="0"/>
+            <a:t>Simulação de dados</a:t>
+          </a:r>
+          <a:endParaRPr lang="pt-BR" sz="2100" kern="1200" dirty="0"/>
+        </a:p>
+      </dsp:txBody>
+      <dsp:txXfrm>
+        <a:off x="4345544" y="601"/>
+        <a:ext cx="1825192" cy="1095115"/>
+      </dsp:txXfrm>
+    </dsp:sp>
+    <dsp:sp modelId="{DA872B89-E536-4E94-8809-B8881F0B1E57}">
+      <dsp:nvSpPr>
+        <dsp:cNvPr id="0" name=""/>
+        <dsp:cNvSpPr/>
+      </dsp:nvSpPr>
+      <dsp:spPr>
+        <a:xfrm>
+          <a:off x="330121" y="1278236"/>
+          <a:ext cx="1825192" cy="1095115"/>
+        </a:xfrm>
+        <a:prstGeom prst="rect">
+          <a:avLst/>
+        </a:prstGeom>
+        <a:solidFill>
+          <a:schemeClr val="accent1">
+            <a:hueOff val="0"/>
+            <a:satOff val="0"/>
+            <a:lumOff val="0"/>
+            <a:alphaOff val="0"/>
+          </a:schemeClr>
+        </a:solidFill>
+        <a:ln w="25400" cap="flat" cmpd="sng" algn="ctr">
+          <a:solidFill>
+            <a:schemeClr val="lt1">
+              <a:hueOff val="0"/>
+              <a:satOff val="0"/>
+              <a:lumOff val="0"/>
+              <a:alphaOff val="0"/>
+            </a:schemeClr>
+          </a:solidFill>
+          <a:prstDash val="solid"/>
+        </a:ln>
+        <a:effectLst/>
+      </dsp:spPr>
+      <dsp:style>
+        <a:lnRef idx="2">
+          <a:scrgbClr r="0" g="0" b="0"/>
+        </a:lnRef>
+        <a:fillRef idx="1">
+          <a:scrgbClr r="0" g="0" b="0"/>
+        </a:fillRef>
+        <a:effectRef idx="0">
+          <a:scrgbClr r="0" g="0" b="0"/>
+        </a:effectRef>
+        <a:fontRef idx="minor">
+          <a:schemeClr val="lt1"/>
+        </a:fontRef>
+      </dsp:style>
+      <dsp:txBody>
+        <a:bodyPr spcFirstLastPara="0" vert="horz" wrap="square" lIns="80010" tIns="80010" rIns="80010" bIns="80010" numCol="1" spcCol="1270" anchor="ctr" anchorCtr="0">
+          <a:noAutofit/>
+        </a:bodyPr>
+        <a:lstStyle/>
+        <a:p>
+          <a:pPr lvl="0" algn="ctr" defTabSz="933450">
+            <a:lnSpc>
+              <a:spcPct val="90000"/>
+            </a:lnSpc>
+            <a:spcBef>
+              <a:spcPct val="0"/>
+            </a:spcBef>
+            <a:spcAft>
+              <a:spcPct val="35000"/>
+            </a:spcAft>
+          </a:pPr>
+          <a:r>
+            <a:rPr lang="pt-BR" sz="2100" kern="1200" dirty="0" smtClean="0"/>
+            <a:t>Visita in loco</a:t>
+          </a:r>
+          <a:endParaRPr lang="pt-BR" sz="2100" kern="1200" dirty="0"/>
+        </a:p>
+      </dsp:txBody>
+      <dsp:txXfrm>
+        <a:off x="330121" y="1278236"/>
+        <a:ext cx="1825192" cy="1095115"/>
+      </dsp:txXfrm>
+    </dsp:sp>
+    <dsp:sp modelId="{EFD15899-3348-4C4A-97B4-62D480073D45}">
+      <dsp:nvSpPr>
+        <dsp:cNvPr id="0" name=""/>
+        <dsp:cNvSpPr/>
+      </dsp:nvSpPr>
+      <dsp:spPr>
+        <a:xfrm>
+          <a:off x="2337832" y="1278236"/>
+          <a:ext cx="1825192" cy="1095115"/>
+        </a:xfrm>
+        <a:prstGeom prst="rect">
+          <a:avLst/>
+        </a:prstGeom>
+        <a:solidFill>
+          <a:schemeClr val="accent1">
+            <a:hueOff val="0"/>
+            <a:satOff val="0"/>
+            <a:lumOff val="0"/>
+            <a:alphaOff val="0"/>
+          </a:schemeClr>
+        </a:solidFill>
+        <a:ln w="25400" cap="flat" cmpd="sng" algn="ctr">
+          <a:solidFill>
+            <a:schemeClr val="lt1">
+              <a:hueOff val="0"/>
+              <a:satOff val="0"/>
+              <a:lumOff val="0"/>
+              <a:alphaOff val="0"/>
+            </a:schemeClr>
+          </a:solidFill>
+          <a:prstDash val="solid"/>
+        </a:ln>
+        <a:effectLst/>
+      </dsp:spPr>
+      <dsp:style>
+        <a:lnRef idx="2">
+          <a:scrgbClr r="0" g="0" b="0"/>
+        </a:lnRef>
+        <a:fillRef idx="1">
+          <a:scrgbClr r="0" g="0" b="0"/>
+        </a:fillRef>
+        <a:effectRef idx="0">
+          <a:scrgbClr r="0" g="0" b="0"/>
+        </a:effectRef>
+        <a:fontRef idx="minor">
+          <a:schemeClr val="lt1"/>
+        </a:fontRef>
+      </dsp:style>
+      <dsp:txBody>
+        <a:bodyPr spcFirstLastPara="0" vert="horz" wrap="square" lIns="80010" tIns="80010" rIns="80010" bIns="80010" numCol="1" spcCol="1270" anchor="ctr" anchorCtr="0">
+          <a:noAutofit/>
+        </a:bodyPr>
+        <a:lstStyle/>
+        <a:p>
+          <a:pPr lvl="0" algn="ctr" defTabSz="933450">
+            <a:lnSpc>
+              <a:spcPct val="90000"/>
+            </a:lnSpc>
+            <a:spcBef>
+              <a:spcPct val="0"/>
+            </a:spcBef>
+            <a:spcAft>
+              <a:spcPct val="35000"/>
+            </a:spcAft>
+          </a:pPr>
+          <a:r>
+            <a:rPr lang="pt-BR" sz="2100" kern="1200" dirty="0" smtClean="0"/>
+            <a:t>Mapeamento de estatístico</a:t>
+          </a:r>
+          <a:endParaRPr lang="pt-BR" sz="2100" kern="1200" dirty="0"/>
+        </a:p>
+      </dsp:txBody>
+      <dsp:txXfrm>
+        <a:off x="2337832" y="1278236"/>
+        <a:ext cx="1825192" cy="1095115"/>
+      </dsp:txXfrm>
+    </dsp:sp>
+    <dsp:sp modelId="{B9E79E31-FE21-46BE-8633-3497840355D9}">
+      <dsp:nvSpPr>
+        <dsp:cNvPr id="0" name=""/>
+        <dsp:cNvSpPr/>
+      </dsp:nvSpPr>
+      <dsp:spPr>
+        <a:xfrm>
+          <a:off x="4345544" y="1278236"/>
+          <a:ext cx="1825192" cy="1095115"/>
+        </a:xfrm>
+        <a:prstGeom prst="rect">
+          <a:avLst/>
+        </a:prstGeom>
+        <a:solidFill>
+          <a:schemeClr val="accent1">
+            <a:hueOff val="0"/>
+            <a:satOff val="0"/>
+            <a:lumOff val="0"/>
+            <a:alphaOff val="0"/>
+          </a:schemeClr>
+        </a:solidFill>
+        <a:ln w="25400" cap="flat" cmpd="sng" algn="ctr">
+          <a:solidFill>
+            <a:schemeClr val="lt1">
+              <a:hueOff val="0"/>
+              <a:satOff val="0"/>
+              <a:lumOff val="0"/>
+              <a:alphaOff val="0"/>
+            </a:schemeClr>
+          </a:solidFill>
+          <a:prstDash val="solid"/>
+        </a:ln>
+        <a:effectLst/>
+      </dsp:spPr>
+      <dsp:style>
+        <a:lnRef idx="2">
+          <a:scrgbClr r="0" g="0" b="0"/>
+        </a:lnRef>
+        <a:fillRef idx="1">
+          <a:scrgbClr r="0" g="0" b="0"/>
+        </a:fillRef>
+        <a:effectRef idx="0">
+          <a:scrgbClr r="0" g="0" b="0"/>
+        </a:effectRef>
+        <a:fontRef idx="minor">
+          <a:schemeClr val="lt1"/>
+        </a:fontRef>
+      </dsp:style>
+      <dsp:txBody>
+        <a:bodyPr spcFirstLastPara="0" vert="horz" wrap="square" lIns="80010" tIns="80010" rIns="80010" bIns="80010" numCol="1" spcCol="1270" anchor="ctr" anchorCtr="0">
+          <a:noAutofit/>
+        </a:bodyPr>
+        <a:lstStyle/>
+        <a:p>
+          <a:pPr lvl="0" algn="ctr" defTabSz="933450">
+            <a:lnSpc>
+              <a:spcPct val="90000"/>
+            </a:lnSpc>
+            <a:spcBef>
+              <a:spcPct val="0"/>
+            </a:spcBef>
+            <a:spcAft>
+              <a:spcPct val="35000"/>
+            </a:spcAft>
+          </a:pPr>
+          <a:r>
+            <a:rPr lang="pt-BR" sz="2100" kern="1200" dirty="0" smtClean="0"/>
+            <a:t>Programas de rastreamento</a:t>
+          </a:r>
+          <a:endParaRPr lang="pt-BR" sz="2100" kern="1200" dirty="0"/>
+        </a:p>
+      </dsp:txBody>
+      <dsp:txXfrm>
+        <a:off x="4345544" y="1278236"/>
+        <a:ext cx="1825192" cy="1095115"/>
+      </dsp:txXfrm>
+    </dsp:sp>
+    <dsp:sp modelId="{923E22F0-E2EF-4A26-B7D7-AE3D4D9BE960}">
+      <dsp:nvSpPr>
+        <dsp:cNvPr id="0" name=""/>
+        <dsp:cNvSpPr/>
+      </dsp:nvSpPr>
+      <dsp:spPr>
+        <a:xfrm>
+          <a:off x="330121" y="2555870"/>
+          <a:ext cx="1825192" cy="1095115"/>
+        </a:xfrm>
+        <a:prstGeom prst="rect">
+          <a:avLst/>
+        </a:prstGeom>
+        <a:solidFill>
+          <a:schemeClr val="accent1">
+            <a:hueOff val="0"/>
+            <a:satOff val="0"/>
+            <a:lumOff val="0"/>
+            <a:alphaOff val="0"/>
+          </a:schemeClr>
+        </a:solidFill>
+        <a:ln w="25400" cap="flat" cmpd="sng" algn="ctr">
+          <a:solidFill>
+            <a:schemeClr val="lt1">
+              <a:hueOff val="0"/>
+              <a:satOff val="0"/>
+              <a:lumOff val="0"/>
+              <a:alphaOff val="0"/>
+            </a:schemeClr>
+          </a:solidFill>
+          <a:prstDash val="solid"/>
+        </a:ln>
+        <a:effectLst/>
+      </dsp:spPr>
+      <dsp:style>
+        <a:lnRef idx="2">
+          <a:scrgbClr r="0" g="0" b="0"/>
+        </a:lnRef>
+        <a:fillRef idx="1">
+          <a:scrgbClr r="0" g="0" b="0"/>
+        </a:fillRef>
+        <a:effectRef idx="0">
+          <a:scrgbClr r="0" g="0" b="0"/>
+        </a:effectRef>
+        <a:fontRef idx="minor">
+          <a:schemeClr val="lt1"/>
+        </a:fontRef>
+      </dsp:style>
+      <dsp:txBody>
+        <a:bodyPr spcFirstLastPara="0" vert="horz" wrap="square" lIns="80010" tIns="80010" rIns="80010" bIns="80010" numCol="1" spcCol="1270" anchor="ctr" anchorCtr="0">
+          <a:noAutofit/>
+        </a:bodyPr>
+        <a:lstStyle/>
+        <a:p>
+          <a:pPr lvl="0" algn="ctr" defTabSz="933450">
+            <a:lnSpc>
+              <a:spcPct val="90000"/>
+            </a:lnSpc>
+            <a:spcBef>
+              <a:spcPct val="0"/>
+            </a:spcBef>
+            <a:spcAft>
+              <a:spcPct val="35000"/>
+            </a:spcAft>
+          </a:pPr>
+          <a:r>
+            <a:rPr lang="pt-BR" sz="2100" kern="1200" dirty="0" smtClean="0"/>
+            <a:t>Entrevista</a:t>
+          </a:r>
+          <a:endParaRPr lang="pt-BR" sz="2100" kern="1200" dirty="0"/>
+        </a:p>
+      </dsp:txBody>
+      <dsp:txXfrm>
+        <a:off x="330121" y="2555870"/>
+        <a:ext cx="1825192" cy="1095115"/>
+      </dsp:txXfrm>
+    </dsp:sp>
+    <dsp:sp modelId="{34E6566B-E38F-443A-8446-B7CCCEECDC50}">
+      <dsp:nvSpPr>
+        <dsp:cNvPr id="0" name=""/>
+        <dsp:cNvSpPr/>
+      </dsp:nvSpPr>
+      <dsp:spPr>
+        <a:xfrm>
+          <a:off x="2337832" y="2555870"/>
+          <a:ext cx="1825192" cy="1095115"/>
+        </a:xfrm>
+        <a:prstGeom prst="rect">
+          <a:avLst/>
+        </a:prstGeom>
+        <a:solidFill>
+          <a:schemeClr val="accent1">
+            <a:hueOff val="0"/>
+            <a:satOff val="0"/>
+            <a:lumOff val="0"/>
+            <a:alphaOff val="0"/>
+          </a:schemeClr>
+        </a:solidFill>
+        <a:ln w="25400" cap="flat" cmpd="sng" algn="ctr">
+          <a:solidFill>
+            <a:schemeClr val="lt1">
+              <a:hueOff val="0"/>
+              <a:satOff val="0"/>
+              <a:lumOff val="0"/>
+              <a:alphaOff val="0"/>
+            </a:schemeClr>
+          </a:solidFill>
+          <a:prstDash val="solid"/>
+        </a:ln>
+        <a:effectLst/>
+      </dsp:spPr>
+      <dsp:style>
+        <a:lnRef idx="2">
+          <a:scrgbClr r="0" g="0" b="0"/>
+        </a:lnRef>
+        <a:fillRef idx="1">
+          <a:scrgbClr r="0" g="0" b="0"/>
+        </a:fillRef>
+        <a:effectRef idx="0">
+          <a:scrgbClr r="0" g="0" b="0"/>
+        </a:effectRef>
+        <a:fontRef idx="minor">
+          <a:schemeClr val="lt1"/>
+        </a:fontRef>
+      </dsp:style>
+      <dsp:txBody>
+        <a:bodyPr spcFirstLastPara="0" vert="horz" wrap="square" lIns="80010" tIns="80010" rIns="80010" bIns="80010" numCol="1" spcCol="1270" anchor="ctr" anchorCtr="0">
+          <a:noAutofit/>
+        </a:bodyPr>
+        <a:lstStyle/>
+        <a:p>
+          <a:pPr lvl="0" algn="ctr" defTabSz="933450">
+            <a:lnSpc>
+              <a:spcPct val="90000"/>
+            </a:lnSpc>
+            <a:spcBef>
+              <a:spcPct val="0"/>
+            </a:spcBef>
+            <a:spcAft>
+              <a:spcPct val="35000"/>
+            </a:spcAft>
+          </a:pPr>
+          <a:r>
+            <a:rPr lang="pt-BR" sz="2100" kern="1200" dirty="0" smtClean="0"/>
+            <a:t>Análise de relatórios/telas</a:t>
+          </a:r>
+          <a:endParaRPr lang="pt-BR" sz="2100" kern="1200" dirty="0"/>
+        </a:p>
+      </dsp:txBody>
+      <dsp:txXfrm>
+        <a:off x="2337832" y="2555870"/>
+        <a:ext cx="1825192" cy="1095115"/>
+      </dsp:txXfrm>
+    </dsp:sp>
+    <dsp:sp modelId="{AECDECB3-2B8D-476C-93C2-3E7B943F0B38}">
+      <dsp:nvSpPr>
+        <dsp:cNvPr id="0" name=""/>
+        <dsp:cNvSpPr/>
+      </dsp:nvSpPr>
+      <dsp:spPr>
+        <a:xfrm>
+          <a:off x="4345544" y="2555870"/>
+          <a:ext cx="1825192" cy="1095115"/>
+        </a:xfrm>
+        <a:prstGeom prst="rect">
+          <a:avLst/>
+        </a:prstGeom>
+        <a:solidFill>
+          <a:schemeClr val="accent1">
+            <a:hueOff val="0"/>
+            <a:satOff val="0"/>
+            <a:lumOff val="0"/>
+            <a:alphaOff val="0"/>
+          </a:schemeClr>
+        </a:solidFill>
+        <a:ln w="25400" cap="flat" cmpd="sng" algn="ctr">
+          <a:solidFill>
+            <a:schemeClr val="lt1">
+              <a:hueOff val="0"/>
+              <a:satOff val="0"/>
+              <a:lumOff val="0"/>
+              <a:alphaOff val="0"/>
+            </a:schemeClr>
+          </a:solidFill>
+          <a:prstDash val="solid"/>
+        </a:ln>
+        <a:effectLst/>
+      </dsp:spPr>
+      <dsp:style>
+        <a:lnRef idx="2">
+          <a:scrgbClr r="0" g="0" b="0"/>
+        </a:lnRef>
+        <a:fillRef idx="1">
+          <a:scrgbClr r="0" g="0" b="0"/>
+        </a:fillRef>
+        <a:effectRef idx="0">
+          <a:scrgbClr r="0" g="0" b="0"/>
+        </a:effectRef>
+        <a:fontRef idx="minor">
+          <a:schemeClr val="lt1"/>
+        </a:fontRef>
+      </dsp:style>
+      <dsp:txBody>
+        <a:bodyPr spcFirstLastPara="0" vert="horz" wrap="square" lIns="80010" tIns="80010" rIns="80010" bIns="80010" numCol="1" spcCol="1270" anchor="ctr" anchorCtr="0">
+          <a:noAutofit/>
+        </a:bodyPr>
+        <a:lstStyle/>
+        <a:p>
+          <a:pPr lvl="0" algn="ctr" defTabSz="933450">
+            <a:lnSpc>
+              <a:spcPct val="90000"/>
+            </a:lnSpc>
+            <a:spcBef>
+              <a:spcPct val="0"/>
+            </a:spcBef>
+            <a:spcAft>
+              <a:spcPct val="35000"/>
+            </a:spcAft>
+          </a:pPr>
+          <a:r>
+            <a:rPr lang="pt-BR" sz="2100" kern="1200" dirty="0" smtClean="0"/>
+            <a:t>Simulação paralela</a:t>
+          </a:r>
+          <a:endParaRPr lang="pt-BR" sz="2100" kern="1200" dirty="0"/>
+        </a:p>
+      </dsp:txBody>
+      <dsp:txXfrm>
+        <a:off x="4345544" y="2555870"/>
+        <a:ext cx="1825192" cy="1095115"/>
+      </dsp:txXfrm>
+    </dsp:sp>
+    <dsp:sp modelId="{753336DA-4788-4BD3-A963-027ED980F8AF}">
+      <dsp:nvSpPr>
+        <dsp:cNvPr id="0" name=""/>
+        <dsp:cNvSpPr/>
+      </dsp:nvSpPr>
+      <dsp:spPr>
+        <a:xfrm>
+          <a:off x="330121" y="3833505"/>
+          <a:ext cx="1825192" cy="1095115"/>
+        </a:xfrm>
+        <a:prstGeom prst="rect">
+          <a:avLst/>
+        </a:prstGeom>
+        <a:solidFill>
+          <a:schemeClr val="accent1">
+            <a:hueOff val="0"/>
+            <a:satOff val="0"/>
+            <a:lumOff val="0"/>
+            <a:alphaOff val="0"/>
+          </a:schemeClr>
+        </a:solidFill>
+        <a:ln w="25400" cap="flat" cmpd="sng" algn="ctr">
+          <a:solidFill>
+            <a:schemeClr val="lt1">
+              <a:hueOff val="0"/>
+              <a:satOff val="0"/>
+              <a:lumOff val="0"/>
+              <a:alphaOff val="0"/>
+            </a:schemeClr>
+          </a:solidFill>
+          <a:prstDash val="solid"/>
+        </a:ln>
+        <a:effectLst/>
+      </dsp:spPr>
+      <dsp:style>
+        <a:lnRef idx="2">
+          <a:scrgbClr r="0" g="0" b="0"/>
+        </a:lnRef>
+        <a:fillRef idx="1">
+          <a:scrgbClr r="0" g="0" b="0"/>
+        </a:fillRef>
+        <a:effectRef idx="0">
+          <a:scrgbClr r="0" g="0" b="0"/>
+        </a:effectRef>
+        <a:fontRef idx="minor">
+          <a:schemeClr val="lt1"/>
+        </a:fontRef>
+      </dsp:style>
+      <dsp:txBody>
+        <a:bodyPr spcFirstLastPara="0" vert="horz" wrap="square" lIns="80010" tIns="80010" rIns="80010" bIns="80010" numCol="1" spcCol="1270" anchor="ctr" anchorCtr="0">
+          <a:noAutofit/>
+        </a:bodyPr>
+        <a:lstStyle/>
+        <a:p>
+          <a:pPr lvl="0" algn="ctr" defTabSz="933450">
+            <a:lnSpc>
+              <a:spcPct val="90000"/>
+            </a:lnSpc>
+            <a:spcBef>
+              <a:spcPct val="0"/>
+            </a:spcBef>
+            <a:spcAft>
+              <a:spcPct val="35000"/>
+            </a:spcAft>
+          </a:pPr>
+          <a:r>
+            <a:rPr lang="pt-BR" sz="2100" kern="1200" dirty="0" smtClean="0"/>
+            <a:t>Análise de </a:t>
+          </a:r>
+          <a:r>
+            <a:rPr lang="pt-BR" sz="2100" kern="1200" dirty="0" err="1" smtClean="0"/>
+            <a:t>logs</a:t>
+          </a:r>
+          <a:endParaRPr lang="pt-BR" sz="2100" kern="1200" dirty="0"/>
+        </a:p>
+      </dsp:txBody>
+      <dsp:txXfrm>
+        <a:off x="330121" y="3833505"/>
+        <a:ext cx="1825192" cy="1095115"/>
+      </dsp:txXfrm>
+    </dsp:sp>
+    <dsp:sp modelId="{921A5128-FBFB-47B7-9978-F75604EDACDF}">
+      <dsp:nvSpPr>
+        <dsp:cNvPr id="0" name=""/>
+        <dsp:cNvSpPr/>
+      </dsp:nvSpPr>
+      <dsp:spPr>
+        <a:xfrm>
+          <a:off x="2337832" y="3833505"/>
+          <a:ext cx="1825192" cy="1095115"/>
+        </a:xfrm>
+        <a:prstGeom prst="rect">
+          <a:avLst/>
+        </a:prstGeom>
+        <a:solidFill>
+          <a:schemeClr val="accent1">
+            <a:hueOff val="0"/>
+            <a:satOff val="0"/>
+            <a:lumOff val="0"/>
+            <a:alphaOff val="0"/>
+          </a:schemeClr>
+        </a:solidFill>
+        <a:ln w="25400" cap="flat" cmpd="sng" algn="ctr">
+          <a:solidFill>
+            <a:schemeClr val="lt1">
+              <a:hueOff val="0"/>
+              <a:satOff val="0"/>
+              <a:lumOff val="0"/>
+              <a:alphaOff val="0"/>
+            </a:schemeClr>
+          </a:solidFill>
+          <a:prstDash val="solid"/>
+        </a:ln>
+        <a:effectLst/>
+      </dsp:spPr>
+      <dsp:style>
+        <a:lnRef idx="2">
+          <a:scrgbClr r="0" g="0" b="0"/>
+        </a:lnRef>
+        <a:fillRef idx="1">
+          <a:scrgbClr r="0" g="0" b="0"/>
+        </a:fillRef>
+        <a:effectRef idx="0">
+          <a:scrgbClr r="0" g="0" b="0"/>
+        </a:effectRef>
+        <a:fontRef idx="minor">
+          <a:schemeClr val="lt1"/>
+        </a:fontRef>
+      </dsp:style>
+      <dsp:txBody>
+        <a:bodyPr spcFirstLastPara="0" vert="horz" wrap="square" lIns="80010" tIns="80010" rIns="80010" bIns="80010" numCol="1" spcCol="1270" anchor="ctr" anchorCtr="0">
+          <a:noAutofit/>
+        </a:bodyPr>
+        <a:lstStyle/>
+        <a:p>
+          <a:pPr lvl="0" algn="ctr" defTabSz="933450">
+            <a:lnSpc>
+              <a:spcPct val="90000"/>
+            </a:lnSpc>
+            <a:spcBef>
+              <a:spcPct val="0"/>
+            </a:spcBef>
+            <a:spcAft>
+              <a:spcPct val="35000"/>
+            </a:spcAft>
+          </a:pPr>
+          <a:r>
+            <a:rPr lang="pt-BR" sz="2100" kern="1200" dirty="0" smtClean="0"/>
+            <a:t>Análise do programa-fonte</a:t>
+          </a:r>
+          <a:endParaRPr lang="pt-BR" sz="2100" kern="1200" dirty="0"/>
+        </a:p>
+      </dsp:txBody>
+      <dsp:txXfrm>
+        <a:off x="2337832" y="3833505"/>
+        <a:ext cx="1825192" cy="1095115"/>
+      </dsp:txXfrm>
+    </dsp:sp>
+    <dsp:sp modelId="{BDB3E999-BA66-4A1D-A5E0-3D0A6DA3AFAD}">
+      <dsp:nvSpPr>
+        <dsp:cNvPr id="0" name=""/>
+        <dsp:cNvSpPr/>
+      </dsp:nvSpPr>
+      <dsp:spPr>
+        <a:xfrm>
+          <a:off x="4345544" y="3833505"/>
+          <a:ext cx="1825192" cy="1095115"/>
+        </a:xfrm>
+        <a:prstGeom prst="rect">
+          <a:avLst/>
+        </a:prstGeom>
+        <a:solidFill>
+          <a:schemeClr val="accent1">
+            <a:hueOff val="0"/>
+            <a:satOff val="0"/>
+            <a:lumOff val="0"/>
+            <a:alphaOff val="0"/>
+          </a:schemeClr>
+        </a:solidFill>
+        <a:ln w="25400" cap="flat" cmpd="sng" algn="ctr">
+          <a:solidFill>
+            <a:schemeClr val="lt1">
+              <a:hueOff val="0"/>
+              <a:satOff val="0"/>
+              <a:lumOff val="0"/>
+              <a:alphaOff val="0"/>
+            </a:schemeClr>
+          </a:solidFill>
+          <a:prstDash val="solid"/>
+        </a:ln>
+        <a:effectLst/>
+      </dsp:spPr>
+      <dsp:style>
+        <a:lnRef idx="2">
+          <a:scrgbClr r="0" g="0" b="0"/>
+        </a:lnRef>
+        <a:fillRef idx="1">
+          <a:scrgbClr r="0" g="0" b="0"/>
+        </a:fillRef>
+        <a:effectRef idx="0">
+          <a:scrgbClr r="0" g="0" b="0"/>
+        </a:effectRef>
+        <a:fontRef idx="minor">
+          <a:schemeClr val="lt1"/>
+        </a:fontRef>
+      </dsp:style>
+      <dsp:txBody>
+        <a:bodyPr spcFirstLastPara="0" vert="horz" wrap="square" lIns="80010" tIns="80010" rIns="80010" bIns="80010" numCol="1" spcCol="1270" anchor="ctr" anchorCtr="0">
+          <a:noAutofit/>
+        </a:bodyPr>
+        <a:lstStyle/>
+        <a:p>
+          <a:pPr lvl="0" algn="ctr" defTabSz="933450">
+            <a:lnSpc>
+              <a:spcPct val="90000"/>
+            </a:lnSpc>
+            <a:spcBef>
+              <a:spcPct val="0"/>
+            </a:spcBef>
+            <a:spcAft>
+              <a:spcPct val="35000"/>
+            </a:spcAft>
+          </a:pPr>
+          <a:r>
+            <a:rPr lang="pt-BR" sz="2100" kern="1200" dirty="0" smtClean="0"/>
+            <a:t>Auditoria da Base de dados</a:t>
+          </a:r>
+          <a:endParaRPr lang="pt-BR" sz="2100" kern="1200" dirty="0"/>
+        </a:p>
+      </dsp:txBody>
+      <dsp:txXfrm>
+        <a:off x="4345544" y="3833505"/>
+        <a:ext cx="1825192" cy="1095115"/>
+      </dsp:txXfrm>
+    </dsp:sp>
+  </dsp:spTree>
+</dsp:drawing>
+</file>
+
 <file path=ppt/diagrams/layout1.xml><?xml version="1.0" encoding="utf-8"?>
-<dgm:layoutDef xmlns:dgm="http://schemas.openxmlformats.org/drawingml/2006/diagram" xmlns:a="http://schemas.openxmlformats.org/drawingml/2006/main" uniqueId="urn:microsoft.com/office/officeart/2005/8/layout/default">
+<dgm:layoutDef xmlns:dgm="http://schemas.openxmlformats.org/drawingml/2006/diagram" xmlns:a="http://schemas.openxmlformats.org/drawingml/2006/main" uniqueId="urn:microsoft.com/office/officeart/2005/8/layout/default#1">
   <dgm:title val=""/>
   <dgm:desc val=""/>
   <dgm:catLst>
@@ -2903,7 +3878,7 @@
             <a:fld id="{D580D9E9-E6FE-445D-B3AA-1BD4830E91E0}" type="datetimeFigureOut">
               <a:rPr lang="pt-BR" smtClean="0"/>
               <a:pPr/>
-              <a:t>05/05/2009</a:t>
+              <a:t>05/05/2014</a:t>
             </a:fld>
             <a:endParaRPr lang="pt-BR"/>
           </a:p>
@@ -3072,6 +4047,11 @@
         </p:txBody>
       </p:sp>
     </p:spTree>
+    <p:extLst>
+      <p:ext uri="{BB962C8B-B14F-4D97-AF65-F5344CB8AC3E}">
+        <p14:creationId xmlns:p14="http://schemas.microsoft.com/office/powerpoint/2010/main" val="2101433040"/>
+      </p:ext>
+    </p:extLst>
   </p:cSld>
   <p:clrMap bg1="lt1" tx1="dk1" bg2="lt2" tx2="dk2" accent1="accent1" accent2="accent2" accent3="accent3" accent4="accent4" accent5="accent5" accent6="accent6" hlink="hlink" folHlink="folHlink"/>
   <p:notesStyle>
@@ -3244,6 +4224,11 @@
         </p:txBody>
       </p:sp>
     </p:spTree>
+    <p:extLst>
+      <p:ext uri="{BB962C8B-B14F-4D97-AF65-F5344CB8AC3E}">
+        <p14:creationId xmlns:p14="http://schemas.microsoft.com/office/powerpoint/2010/main" val="543089855"/>
+      </p:ext>
+    </p:extLst>
   </p:cSld>
   <p:clrMapOvr>
     <a:masterClrMapping/>
@@ -6511,7 +7496,9 @@
         </p:nvSpPr>
         <p:spPr/>
         <p:txBody>
-          <a:bodyPr/>
+          <a:bodyPr>
+            <a:normAutofit lnSpcReduction="10000"/>
+          </a:bodyPr>
           <a:lstStyle/>
           <a:p>
             <a:r>
@@ -6959,6 +7946,13 @@
   <p:transition>
     <p:fade/>
   </p:transition>
+  <p:timing>
+    <p:tnLst>
+      <p:par>
+        <p:cTn id="1" dur="indefinite" restart="never" nodeType="tmRoot"/>
+      </p:par>
+    </p:tnLst>
+  </p:timing>
 </p:sld>
 </file>
 
@@ -7120,7 +8114,9 @@
         </p:nvSpPr>
         <p:spPr/>
         <p:txBody>
-          <a:bodyPr/>
+          <a:bodyPr>
+            <a:normAutofit lnSpcReduction="10000"/>
+          </a:bodyPr>
           <a:lstStyle/>
           <a:p>
             <a:pPr>
@@ -7459,7 +8455,9 @@
         </p:nvSpPr>
         <p:spPr/>
         <p:txBody>
-          <a:bodyPr/>
+          <a:bodyPr>
+            <a:normAutofit fontScale="90000"/>
+          </a:bodyPr>
           <a:lstStyle/>
           <a:p>
             <a:r>
@@ -7481,7 +8479,9 @@
         </p:nvSpPr>
         <p:spPr/>
         <p:txBody>
-          <a:bodyPr/>
+          <a:bodyPr>
+            <a:normAutofit lnSpcReduction="10000"/>
+          </a:bodyPr>
           <a:lstStyle/>
           <a:p>
             <a:pPr>
@@ -7613,7 +8613,9 @@
         </p:nvSpPr>
         <p:spPr/>
         <p:txBody>
-          <a:bodyPr/>
+          <a:bodyPr>
+            <a:normAutofit fontScale="90000"/>
+          </a:bodyPr>
           <a:lstStyle/>
           <a:p>
             <a:r>
@@ -7635,7 +8637,9 @@
         </p:nvSpPr>
         <p:spPr/>
         <p:txBody>
-          <a:bodyPr/>
+          <a:bodyPr>
+            <a:normAutofit lnSpcReduction="10000"/>
+          </a:bodyPr>
           <a:lstStyle/>
           <a:p>
             <a:r>
@@ -7859,6 +8863,13 @@
   <p:transition>
     <p:fade/>
   </p:transition>
+  <p:timing>
+    <p:tnLst>
+      <p:par>
+        <p:cTn id="1" dur="indefinite" restart="never" nodeType="tmRoot"/>
+      </p:par>
+    </p:tnLst>
+  </p:timing>
 </p:sld>
 </file>
 
@@ -7973,6 +8984,13 @@
   <p:transition>
     <p:fade/>
   </p:transition>
+  <p:timing>
+    <p:tnLst>
+      <p:par>
+        <p:cTn id="1" dur="indefinite" restart="never" nodeType="tmRoot"/>
+      </p:par>
+    </p:tnLst>
+  </p:timing>
 </p:sld>
 </file>
 
